--- a/group4_project1_solution/ppt/Project1_Group4_v2.pptx
+++ b/group4_project1_solution/ppt/Project1_Group4_v2.pptx
@@ -15831,6 +15831,36 @@
           <a:chExt cx="0" cy="0"/>
         </a:xfrm>
       </p:grpSpPr>
+      <p:pic>
+        <p:nvPicPr>
+          <p:cNvPr id="3" name="Picture 2">
+            <a:extLst>
+              <a:ext uri="{FF2B5EF4-FFF2-40B4-BE49-F238E27FC236}">
+                <a16:creationId xmlns:a16="http://schemas.microsoft.com/office/drawing/2014/main" id="{0C4937A5-A6DD-4B5F-A5E9-CAC374FD4396}"/>
+              </a:ext>
+            </a:extLst>
+          </p:cNvPr>
+          <p:cNvPicPr>
+            <a:picLocks noChangeAspect="1"/>
+          </p:cNvPicPr>
+          <p:nvPr/>
+        </p:nvPicPr>
+        <p:blipFill>
+          <a:blip r:embed="rId2"/>
+          <a:stretch>
+            <a:fillRect/>
+          </a:stretch>
+        </p:blipFill>
+        <p:spPr>
+          <a:xfrm>
+            <a:off x="275771" y="559045"/>
+            <a:ext cx="8244114" cy="4025409"/>
+          </a:xfrm>
+          <a:prstGeom prst="rect">
+            <a:avLst/>
+          </a:prstGeom>
+        </p:spPr>
+      </p:pic>
     </p:spTree>
     <p:extLst>
       <p:ext uri="{BB962C8B-B14F-4D97-AF65-F5344CB8AC3E}">
